--- a/Projektpräsentation/Projektpräsentation_Gliederung.pptx
+++ b/Projektpräsentation/Projektpräsentation_Gliederung.pptx
@@ -119,7 +119,7 @@
   </p:defaultTextStyle>
   <p:extLst>
     <p:ext uri="{EFAFB233-063F-42B5-8137-9DF3F51BA10A}">
-      <p15:sldGuideLst xmlns:p15="http://schemas.microsoft.com/office/powerpoint/2012/main" xmlns="">
+      <p15:sldGuideLst xmlns:p15="http://schemas.microsoft.com/office/powerpoint/2012/main">
         <p15:guide id="1" orient="horz" pos="2160">
           <p15:clr>
             <a:srgbClr val="A4A3A4"/>
@@ -218,7 +218,7 @@
           <a:p>
             <a:fld id="{90F09366-0DA2-404A-A91F-D59506B6032C}" type="datetimeFigureOut">
               <a:rPr lang="en-US" smtClean="0"/>
-              <a:t>4/11/2016</a:t>
+              <a:t>4/27/16</a:t>
             </a:fld>
             <a:endParaRPr lang="en-US"/>
           </a:p>
@@ -599,7 +599,7 @@
           <a:p>
             <a:fld id="{1E35A5A4-3185-44AB-AEEB-6B2FF51973C9}" type="datetimeFigureOut">
               <a:rPr lang="de-DE" smtClean="0"/>
-              <a:t>11.04.2016</a:t>
+              <a:t>27.04.16</a:t>
             </a:fld>
             <a:endParaRPr lang="de-DE"/>
           </a:p>
@@ -916,7 +916,7 @@
           <a:p>
             <a:fld id="{1E35A5A4-3185-44AB-AEEB-6B2FF51973C9}" type="datetimeFigureOut">
               <a:rPr lang="de-DE" smtClean="0"/>
-              <a:t>11.04.2016</a:t>
+              <a:t>27.04.16</a:t>
             </a:fld>
             <a:endParaRPr lang="de-DE"/>
           </a:p>
@@ -1086,7 +1086,7 @@
           <a:p>
             <a:fld id="{1E35A5A4-3185-44AB-AEEB-6B2FF51973C9}" type="datetimeFigureOut">
               <a:rPr lang="de-DE" smtClean="0"/>
-              <a:t>11.04.2016</a:t>
+              <a:t>27.04.16</a:t>
             </a:fld>
             <a:endParaRPr lang="de-DE"/>
           </a:p>
@@ -1266,7 +1266,7 @@
           <a:p>
             <a:fld id="{1E35A5A4-3185-44AB-AEEB-6B2FF51973C9}" type="datetimeFigureOut">
               <a:rPr lang="de-DE" smtClean="0"/>
-              <a:t>11.04.2016</a:t>
+              <a:t>27.04.16</a:t>
             </a:fld>
             <a:endParaRPr lang="de-DE"/>
           </a:p>
@@ -2445,10 +2445,10 @@
         </p:nvGrpSpPr>
         <p:grpSpPr>
           <a:xfrm>
-            <a:off x="3840430" y="1004004"/>
-            <a:ext cx="4511141" cy="452256"/>
-            <a:chOff x="3735281" y="1314519"/>
-            <a:chExt cx="4511141" cy="452256"/>
+            <a:off x="3843767" y="1004004"/>
+            <a:ext cx="4504467" cy="452256"/>
+            <a:chOff x="3738618" y="1314519"/>
+            <a:chExt cx="4504467" cy="452256"/>
           </a:xfrm>
           <a:solidFill>
             <a:srgbClr val="7030A0"/>
@@ -2507,7 +2507,7 @@
           </p:nvSpPr>
           <p:spPr>
             <a:xfrm rot="5400000">
-              <a:off x="7767286" y="1287638"/>
+              <a:off x="7763949" y="1287638"/>
               <a:ext cx="452252" cy="506021"/>
             </a:xfrm>
             <a:prstGeom prst="rtTriangle">
@@ -2549,7 +2549,7 @@
           </p:nvSpPr>
           <p:spPr>
             <a:xfrm rot="16200000" flipH="1">
-              <a:off x="3762166" y="1287635"/>
+              <a:off x="3765503" y="1287635"/>
               <a:ext cx="452252" cy="506021"/>
             </a:xfrm>
             <a:prstGeom prst="rtTriangle">
@@ -2789,7 +2789,7 @@
           <a:p>
             <a:fld id="{1E35A5A4-3185-44AB-AEEB-6B2FF51973C9}" type="datetimeFigureOut">
               <a:rPr lang="de-DE" smtClean="0"/>
-              <a:t>11.04.2016</a:t>
+              <a:t>27.04.16</a:t>
             </a:fld>
             <a:endParaRPr lang="de-DE"/>
           </a:p>
@@ -3028,7 +3028,7 @@
           <a:p>
             <a:fld id="{1E35A5A4-3185-44AB-AEEB-6B2FF51973C9}" type="datetimeFigureOut">
               <a:rPr lang="de-DE" smtClean="0"/>
-              <a:t>11.04.2016</a:t>
+              <a:t>27.04.16</a:t>
             </a:fld>
             <a:endParaRPr lang="de-DE"/>
           </a:p>
@@ -3402,7 +3402,7 @@
           <a:p>
             <a:fld id="{1E35A5A4-3185-44AB-AEEB-6B2FF51973C9}" type="datetimeFigureOut">
               <a:rPr lang="de-DE" smtClean="0"/>
-              <a:t>11.04.2016</a:t>
+              <a:t>27.04.16</a:t>
             </a:fld>
             <a:endParaRPr lang="de-DE"/>
           </a:p>
@@ -3527,7 +3527,7 @@
           <a:p>
             <a:fld id="{1E35A5A4-3185-44AB-AEEB-6B2FF51973C9}" type="datetimeFigureOut">
               <a:rPr lang="de-DE" smtClean="0"/>
-              <a:t>11.04.2016</a:t>
+              <a:t>27.04.16</a:t>
             </a:fld>
             <a:endParaRPr lang="de-DE"/>
           </a:p>
@@ -3629,7 +3629,7 @@
           <a:p>
             <a:fld id="{1E35A5A4-3185-44AB-AEEB-6B2FF51973C9}" type="datetimeFigureOut">
               <a:rPr lang="de-DE" smtClean="0"/>
-              <a:t>11.04.2016</a:t>
+              <a:t>27.04.16</a:t>
             </a:fld>
             <a:endParaRPr lang="de-DE"/>
           </a:p>
@@ -3913,7 +3913,7 @@
           <a:p>
             <a:fld id="{1E35A5A4-3185-44AB-AEEB-6B2FF51973C9}" type="datetimeFigureOut">
               <a:rPr lang="de-DE" smtClean="0"/>
-              <a:t>11.04.2016</a:t>
+              <a:t>27.04.16</a:t>
             </a:fld>
             <a:endParaRPr lang="de-DE"/>
           </a:p>
@@ -4126,7 +4126,7 @@
           <a:p>
             <a:fld id="{1E35A5A4-3185-44AB-AEEB-6B2FF51973C9}" type="datetimeFigureOut">
               <a:rPr lang="de-DE" smtClean="0"/>
-              <a:t>11.04.2016</a:t>
+              <a:t>27.04.16</a:t>
             </a:fld>
             <a:endParaRPr lang="de-DE"/>
           </a:p>
@@ -5274,7 +5274,7 @@
         <p:spPr/>
         <p:txBody>
           <a:bodyPr>
-            <a:normAutofit fontScale="92500" lnSpcReduction="20000"/>
+            <a:normAutofit fontScale="77500" lnSpcReduction="20000"/>
           </a:bodyPr>
           <a:lstStyle/>
           <a:p>
@@ -5289,53 +5289,85 @@
           <a:p>
             <a:r>
               <a:rPr lang="de-DE" dirty="0" smtClean="0"/>
-              <a:t>Vorgehensweise</a:t>
-            </a:r>
-          </a:p>
-          <a:p>
+              <a:t>Planung</a:t>
+            </a:r>
+          </a:p>
+          <a:p>
+            <a:endParaRPr lang="de-DE" dirty="0"/>
+          </a:p>
+          <a:p>
+            <a:r>
+              <a:rPr lang="de-DE" dirty="0" smtClean="0"/>
+              <a:t>IST-Zustand</a:t>
+            </a:r>
             <a:endParaRPr lang="de-DE" dirty="0" smtClean="0"/>
           </a:p>
           <a:p>
-            <a:r>
-              <a:rPr lang="de-DE" dirty="0" smtClean="0"/>
-              <a:t>Das Produkt: „</a:t>
-            </a:r>
-            <a:r>
-              <a:rPr lang="de-DE" dirty="0" err="1" smtClean="0"/>
-              <a:t>Scrumiverse</a:t>
+            <a:endParaRPr lang="de-DE" dirty="0" smtClean="0"/>
+          </a:p>
+          <a:p>
+            <a:r>
+              <a:rPr lang="de-DE" dirty="0" smtClean="0"/>
+              <a:t>Das Produkt: „Scrumiverse</a:t>
             </a:r>
             <a:r>
               <a:rPr lang="de-DE" dirty="0" smtClean="0"/>
               <a:t>“</a:t>
             </a:r>
-          </a:p>
-          <a:p>
             <a:endParaRPr lang="de-DE" dirty="0"/>
           </a:p>
           <a:p>
-            <a:r>
-              <a:rPr lang="de-DE" dirty="0" smtClean="0"/>
-              <a:t>Interessante Codestellen</a:t>
-            </a:r>
-          </a:p>
-          <a:p>
+            <a:pPr lvl="1"/>
+            <a:r>
+              <a:rPr lang="de-DE" dirty="0" smtClean="0"/>
+              <a:t>Soll-Konzept</a:t>
+            </a:r>
             <a:endParaRPr lang="de-DE" dirty="0" smtClean="0"/>
           </a:p>
           <a:p>
-            <a:r>
-              <a:rPr lang="de-DE" dirty="0" smtClean="0"/>
-              <a:t>Projektziel</a:t>
-            </a:r>
-          </a:p>
-          <a:p>
             <a:endParaRPr lang="de-DE" dirty="0" smtClean="0"/>
           </a:p>
           <a:p>
             <a:r>
               <a:rPr lang="de-DE" dirty="0" smtClean="0"/>
+              <a:t>Durchführung</a:t>
+            </a:r>
+            <a:endParaRPr lang="de-DE" dirty="0" smtClean="0"/>
+          </a:p>
+          <a:p>
+            <a:pPr lvl="1"/>
+            <a:r>
+              <a:rPr lang="de-DE" dirty="0" smtClean="0"/>
+              <a:t>Codestellen</a:t>
+            </a:r>
+          </a:p>
+          <a:p>
+            <a:pPr lvl="1"/>
+            <a:endParaRPr lang="de-DE" dirty="0" smtClean="0"/>
+          </a:p>
+          <a:p>
+            <a:r>
+              <a:rPr lang="de-DE" smtClean="0"/>
               <a:t>Fazit</a:t>
             </a:r>
-          </a:p>
+            <a:endParaRPr lang="de-DE" dirty="0" smtClean="0"/>
+          </a:p>
+        </p:txBody>
+      </p:sp>
+      <p:sp>
+        <p:nvSpPr>
+          <p:cNvPr id="12" name="Inhaltsplatzhalter 11"/>
+          <p:cNvSpPr>
+            <a:spLocks noGrp="1"/>
+          </p:cNvSpPr>
+          <p:nvPr>
+            <p:ph sz="quarter" idx="12"/>
+          </p:nvPr>
+        </p:nvSpPr>
+        <p:spPr/>
+        <p:txBody>
+          <a:bodyPr/>
+          <a:lstStyle/>
           <a:p>
             <a:endParaRPr lang="de-DE" dirty="0"/>
           </a:p>
@@ -5343,26 +5375,7 @@
       </p:sp>
       <p:sp>
         <p:nvSpPr>
-          <p:cNvPr id="11" name="Inhaltsplatzhalter 10"/>
-          <p:cNvSpPr>
-            <a:spLocks noGrp="1"/>
-          </p:cNvSpPr>
-          <p:nvPr>
-            <p:ph sz="quarter" idx="12"/>
-          </p:nvPr>
-        </p:nvSpPr>
-        <p:spPr/>
-        <p:txBody>
-          <a:bodyPr/>
-          <a:lstStyle/>
-          <a:p>
-            <a:endParaRPr lang="de-DE"/>
-          </a:p>
-        </p:txBody>
-      </p:sp>
-      <p:sp>
-        <p:nvSpPr>
-          <p:cNvPr id="12" name="Inhaltsplatzhalter 11"/>
+          <p:cNvPr id="13" name="Inhaltsplatzhalter 12"/>
           <p:cNvSpPr>
             <a:spLocks noGrp="1"/>
           </p:cNvSpPr>
@@ -5376,7 +5389,7 @@
           <a:lstStyle/>
           <a:p>
             <a:r>
-              <a:rPr lang="de-DE" dirty="0" smtClean="0"/>
+              <a:rPr lang="de-DE" dirty="0"/>
               <a:t>Gliederung</a:t>
             </a:r>
             <a:endParaRPr lang="de-DE" dirty="0"/>
@@ -5385,7 +5398,7 @@
       </p:sp>
       <p:sp>
         <p:nvSpPr>
-          <p:cNvPr id="13" name="Inhaltsplatzhalter 12"/>
+          <p:cNvPr id="2" name="Inhaltsplatzhalter 1"/>
           <p:cNvSpPr>
             <a:spLocks noGrp="1"/>
           </p:cNvSpPr>
@@ -5399,7 +5412,7 @@
           <a:lstStyle/>
           <a:p>
             <a:r>
-              <a:rPr lang="de-DE" dirty="0" smtClean="0"/>
+              <a:rPr lang="de-DE" dirty="0"/>
               <a:t>Projektauftrag</a:t>
             </a:r>
             <a:endParaRPr lang="de-DE" dirty="0"/>
@@ -7013,7 +7026,7 @@
   <a:extraClrSchemeLst/>
   <a:extLst>
     <a:ext uri="{05A4C25C-085E-4340-85A3-A5531E510DB2}">
-      <thm15:themeFamily xmlns:thm15="http://schemas.microsoft.com/office/thememl/2012/main" xmlns="" name="Office Theme" id="{62F939B6-93AF-4DB8-9C6B-D6C7DFDC589F}" vid="{4A3C46E8-61CC-4603-A589-7422A47A8E4A}"/>
+      <thm15:themeFamily xmlns:thm15="http://schemas.microsoft.com/office/thememl/2012/main" name="Office Theme" id="{62F939B6-93AF-4DB8-9C6B-D6C7DFDC589F}" vid="{4A3C46E8-61CC-4603-A589-7422A47A8E4A}"/>
     </a:ext>
   </a:extLst>
 </a:theme>
